--- a/doc/ch01-Sorting-01.pptx
+++ b/doc/ch01-Sorting-01.pptx
@@ -13,6 +13,9 @@
     <p:sldId id="261" r:id="rId7"/>
     <p:sldId id="262" r:id="rId8"/>
     <p:sldId id="263" r:id="rId9"/>
+    <p:sldId id="264" r:id="rId10"/>
+    <p:sldId id="265" r:id="rId11"/>
+    <p:sldId id="266" r:id="rId12"/>
   </p:sldIdLst>
   <p:sldSz cx="12192000" cy="6858000"/>
   <p:notesSz cx="6858000" cy="9144000"/>
@@ -111,6 +114,11 @@
       </a:defRPr>
     </a:lvl9pPr>
   </p:defaultTextStyle>
+  <p:extLst>
+    <p:ext uri="{EFAFB233-063F-42B5-8137-9DF3F51BA10A}">
+      <p15:sldGuideLst xmlns:p15="http://schemas.microsoft.com/office/powerpoint/2012/main"/>
+    </p:ext>
+  </p:extLst>
 </p:presentation>
 </file>
 
@@ -3427,6 +3435,311 @@
 </p:sld>
 </file>
 
+<file path=ppt/slides/slide10.xml><?xml version="1.0" encoding="utf-8"?>
+<p:sld xmlns:a="http://schemas.openxmlformats.org/drawingml/2006/main" xmlns:r="http://schemas.openxmlformats.org/officeDocument/2006/relationships" xmlns:p="http://schemas.openxmlformats.org/presentationml/2006/main">
+  <p:cSld>
+    <p:spTree>
+      <p:nvGrpSpPr>
+        <p:cNvPr id="1" name=""/>
+        <p:cNvGrpSpPr/>
+        <p:nvPr/>
+      </p:nvGrpSpPr>
+      <p:grpSpPr>
+        <a:xfrm>
+          <a:off x="0" y="0"/>
+          <a:ext cx="0" cy="0"/>
+          <a:chOff x="0" y="0"/>
+          <a:chExt cx="0" cy="0"/>
+        </a:xfrm>
+      </p:grpSpPr>
+      <p:sp>
+        <p:nvSpPr>
+          <p:cNvPr id="2" name="Title 1">
+            <a:extLst>
+              <a:ext uri="{FF2B5EF4-FFF2-40B4-BE49-F238E27FC236}">
+                <a16:creationId xmlns:a16="http://schemas.microsoft.com/office/drawing/2014/main" id="{F31CFCC3-1DA1-41FA-8254-EA493975BB94}"/>
+              </a:ext>
+            </a:extLst>
+          </p:cNvPr>
+          <p:cNvSpPr>
+            <a:spLocks noGrp="1"/>
+          </p:cNvSpPr>
+          <p:nvPr>
+            <p:ph type="title"/>
+          </p:nvPr>
+        </p:nvSpPr>
+        <p:spPr/>
+        <p:txBody>
+          <a:bodyPr/>
+          <a:lstStyle/>
+          <a:p>
+            <a:r>
+              <a:rPr lang="en-US" dirty="0"/>
+              <a:t>(Homework 2) </a:t>
+            </a:r>
+          </a:p>
+        </p:txBody>
+      </p:sp>
+      <p:sp>
+        <p:nvSpPr>
+          <p:cNvPr id="3" name="Content Placeholder 2">
+            <a:extLst>
+              <a:ext uri="{FF2B5EF4-FFF2-40B4-BE49-F238E27FC236}">
+                <a16:creationId xmlns:a16="http://schemas.microsoft.com/office/drawing/2014/main" id="{F115219C-2843-4497-8E8B-6DE28D3A2640}"/>
+              </a:ext>
+            </a:extLst>
+          </p:cNvPr>
+          <p:cNvSpPr>
+            <a:spLocks noGrp="1"/>
+          </p:cNvSpPr>
+          <p:nvPr>
+            <p:ph idx="1"/>
+          </p:nvPr>
+        </p:nvSpPr>
+        <p:spPr>
+          <a:xfrm>
+            <a:off x="838200" y="1825625"/>
+            <a:ext cx="10515600" cy="1906116"/>
+          </a:xfrm>
+        </p:spPr>
+        <p:txBody>
+          <a:bodyPr/>
+          <a:lstStyle/>
+          <a:p>
+            <a:r>
+              <a:rPr lang="en-US" b="0" i="0" dirty="0">
+                <a:solidFill>
+                  <a:srgbClr val="273239"/>
+                </a:solidFill>
+                <a:effectLst/>
+                <a:latin typeface="urw-din"/>
+              </a:rPr>
+              <a:t>Given an array of integers, update every element with multiplication of previous and next elements with following exceptions. </a:t>
+            </a:r>
+            <a:br>
+              <a:rPr lang="en-US" dirty="0"/>
+            </a:br>
+            <a:r>
+              <a:rPr lang="en-US" b="0" i="0" dirty="0">
+                <a:solidFill>
+                  <a:srgbClr val="273239"/>
+                </a:solidFill>
+                <a:effectLst/>
+                <a:latin typeface="urw-din"/>
+              </a:rPr>
+              <a:t>a) First element is replaced by multiplication of first and second. </a:t>
+            </a:r>
+            <a:br>
+              <a:rPr lang="en-US" dirty="0"/>
+            </a:br>
+            <a:r>
+              <a:rPr lang="en-US" b="0" i="0" dirty="0">
+                <a:solidFill>
+                  <a:srgbClr val="273239"/>
+                </a:solidFill>
+                <a:effectLst/>
+                <a:latin typeface="urw-din"/>
+              </a:rPr>
+              <a:t>b) Last element is replaced by multiplication of last and second last.</a:t>
+            </a:r>
+            <a:endParaRPr lang="en-US" dirty="0"/>
+          </a:p>
+        </p:txBody>
+      </p:sp>
+      <p:pic>
+        <p:nvPicPr>
+          <p:cNvPr id="5" name="Picture 4">
+            <a:extLst>
+              <a:ext uri="{FF2B5EF4-FFF2-40B4-BE49-F238E27FC236}">
+                <a16:creationId xmlns:a16="http://schemas.microsoft.com/office/drawing/2014/main" id="{A94F00B5-D09F-46CD-B9D0-62ED20CC5820}"/>
+              </a:ext>
+            </a:extLst>
+          </p:cNvPr>
+          <p:cNvPicPr>
+            <a:picLocks noChangeAspect="1"/>
+          </p:cNvPicPr>
+          <p:nvPr/>
+        </p:nvPicPr>
+        <p:blipFill>
+          <a:blip r:embed="rId2"/>
+          <a:stretch>
+            <a:fillRect/>
+          </a:stretch>
+        </p:blipFill>
+        <p:spPr>
+          <a:xfrm>
+            <a:off x="1443394" y="3750276"/>
+            <a:ext cx="4115374" cy="1619476"/>
+          </a:xfrm>
+          <a:prstGeom prst="rect">
+            <a:avLst/>
+          </a:prstGeom>
+        </p:spPr>
+      </p:pic>
+      <p:pic>
+        <p:nvPicPr>
+          <p:cNvPr id="7" name="Picture 6">
+            <a:extLst>
+              <a:ext uri="{FF2B5EF4-FFF2-40B4-BE49-F238E27FC236}">
+                <a16:creationId xmlns:a16="http://schemas.microsoft.com/office/drawing/2014/main" id="{1D6F0920-1596-42FA-BA2C-73C25B3776FC}"/>
+              </a:ext>
+            </a:extLst>
+          </p:cNvPr>
+          <p:cNvPicPr>
+            <a:picLocks noChangeAspect="1"/>
+          </p:cNvPicPr>
+          <p:nvPr/>
+        </p:nvPicPr>
+        <p:blipFill>
+          <a:blip r:embed="rId3"/>
+          <a:stretch>
+            <a:fillRect/>
+          </a:stretch>
+        </p:blipFill>
+        <p:spPr>
+          <a:xfrm>
+            <a:off x="6160577" y="3724895"/>
+            <a:ext cx="4588029" cy="2390401"/>
+          </a:xfrm>
+          <a:prstGeom prst="rect">
+            <a:avLst/>
+          </a:prstGeom>
+        </p:spPr>
+      </p:pic>
+    </p:spTree>
+    <p:extLst>
+      <p:ext uri="{BB962C8B-B14F-4D97-AF65-F5344CB8AC3E}">
+        <p14:creationId xmlns:p14="http://schemas.microsoft.com/office/powerpoint/2010/main" val="1324601076"/>
+      </p:ext>
+    </p:extLst>
+  </p:cSld>
+  <p:clrMapOvr>
+    <a:masterClrMapping/>
+  </p:clrMapOvr>
+</p:sld>
+</file>
+
+<file path=ppt/slides/slide11.xml><?xml version="1.0" encoding="utf-8"?>
+<p:sld xmlns:a="http://schemas.openxmlformats.org/drawingml/2006/main" xmlns:r="http://schemas.openxmlformats.org/officeDocument/2006/relationships" xmlns:p="http://schemas.openxmlformats.org/presentationml/2006/main">
+  <p:cSld>
+    <p:spTree>
+      <p:nvGrpSpPr>
+        <p:cNvPr id="1" name=""/>
+        <p:cNvGrpSpPr/>
+        <p:nvPr/>
+      </p:nvGrpSpPr>
+      <p:grpSpPr>
+        <a:xfrm>
+          <a:off x="0" y="0"/>
+          <a:ext cx="0" cy="0"/>
+          <a:chOff x="0" y="0"/>
+          <a:chExt cx="0" cy="0"/>
+        </a:xfrm>
+      </p:grpSpPr>
+      <p:sp>
+        <p:nvSpPr>
+          <p:cNvPr id="2" name="Title 1">
+            <a:extLst>
+              <a:ext uri="{FF2B5EF4-FFF2-40B4-BE49-F238E27FC236}">
+                <a16:creationId xmlns:a16="http://schemas.microsoft.com/office/drawing/2014/main" id="{280944F3-098F-4E24-9D8B-66EDDF2DACAD}"/>
+              </a:ext>
+            </a:extLst>
+          </p:cNvPr>
+          <p:cNvSpPr>
+            <a:spLocks noGrp="1"/>
+          </p:cNvSpPr>
+          <p:nvPr>
+            <p:ph type="title"/>
+          </p:nvPr>
+        </p:nvSpPr>
+        <p:spPr/>
+        <p:txBody>
+          <a:bodyPr/>
+          <a:lstStyle/>
+          <a:p>
+            <a:r>
+              <a:rPr lang="en-US" dirty="0"/>
+              <a:t>Homework 3</a:t>
+            </a:r>
+          </a:p>
+        </p:txBody>
+      </p:sp>
+      <p:sp>
+        <p:nvSpPr>
+          <p:cNvPr id="3" name="Content Placeholder 2">
+            <a:extLst>
+              <a:ext uri="{FF2B5EF4-FFF2-40B4-BE49-F238E27FC236}">
+                <a16:creationId xmlns:a16="http://schemas.microsoft.com/office/drawing/2014/main" id="{051959F6-1EFA-4E1A-9EB7-AB1AA204928B}"/>
+              </a:ext>
+            </a:extLst>
+          </p:cNvPr>
+          <p:cNvSpPr>
+            <a:spLocks noGrp="1"/>
+          </p:cNvSpPr>
+          <p:nvPr>
+            <p:ph idx="1"/>
+          </p:nvPr>
+        </p:nvSpPr>
+        <p:spPr>
+          <a:xfrm>
+            <a:off x="838200" y="1528763"/>
+            <a:ext cx="8337884" cy="917575"/>
+          </a:xfrm>
+        </p:spPr>
+        <p:txBody>
+          <a:bodyPr/>
+          <a:lstStyle/>
+          <a:p>
+            <a:r>
+              <a:rPr lang="en-US" dirty="0"/>
+              <a:t>Find second largest element in an array</a:t>
+            </a:r>
+          </a:p>
+        </p:txBody>
+      </p:sp>
+      <p:pic>
+        <p:nvPicPr>
+          <p:cNvPr id="5" name="Picture 4">
+            <a:extLst>
+              <a:ext uri="{FF2B5EF4-FFF2-40B4-BE49-F238E27FC236}">
+                <a16:creationId xmlns:a16="http://schemas.microsoft.com/office/drawing/2014/main" id="{08AC49B7-62E0-42B7-A9E3-F3052ACC49AF}"/>
+              </a:ext>
+            </a:extLst>
+          </p:cNvPr>
+          <p:cNvPicPr>
+            <a:picLocks noChangeAspect="1"/>
+          </p:cNvPicPr>
+          <p:nvPr/>
+        </p:nvPicPr>
+        <p:blipFill>
+          <a:blip r:embed="rId2"/>
+          <a:stretch>
+            <a:fillRect/>
+          </a:stretch>
+        </p:blipFill>
+        <p:spPr>
+          <a:xfrm>
+            <a:off x="838200" y="2284412"/>
+            <a:ext cx="4477375" cy="4410691"/>
+          </a:xfrm>
+          <a:prstGeom prst="rect">
+            <a:avLst/>
+          </a:prstGeom>
+        </p:spPr>
+      </p:pic>
+    </p:spTree>
+    <p:extLst>
+      <p:ext uri="{BB962C8B-B14F-4D97-AF65-F5344CB8AC3E}">
+        <p14:creationId xmlns:p14="http://schemas.microsoft.com/office/powerpoint/2010/main" val="3286439155"/>
+      </p:ext>
+    </p:extLst>
+  </p:cSld>
+  <p:clrMapOvr>
+    <a:masterClrMapping/>
+  </p:clrMapOvr>
+</p:sld>
+</file>
+
 <file path=ppt/slides/slide2.xml><?xml version="1.0" encoding="utf-8"?>
 <p:sld xmlns:a="http://schemas.openxmlformats.org/drawingml/2006/main" xmlns:r="http://schemas.openxmlformats.org/officeDocument/2006/relationships" xmlns:p="http://schemas.openxmlformats.org/presentationml/2006/main">
   <p:cSld>
@@ -3612,7 +3925,7 @@
           <a:graphicData uri="http://schemas.openxmlformats.org/presentationml/2006/ole">
             <mc:AlternateContent xmlns:mc="http://schemas.openxmlformats.org/markup-compatibility/2006">
               <mc:Choice xmlns:v="urn:schemas-microsoft-com:vml" Requires="v">
-                <p:oleObj spid="_x0000_s1027" name="비트맵 이미지" r:id="rId4" imgW="4848120" imgH="3219480" progId="Paint.Picture">
+                <p:oleObj spid="_x0000_s1028" name="비트맵 이미지" r:id="rId4" imgW="4848120" imgH="3219480" progId="Paint.Picture">
                   <p:embed/>
                 </p:oleObj>
               </mc:Choice>
@@ -4631,6 +4944,188 @@
     <p:extLst>
       <p:ext uri="{BB962C8B-B14F-4D97-AF65-F5344CB8AC3E}">
         <p14:creationId xmlns:p14="http://schemas.microsoft.com/office/powerpoint/2010/main" val="368431610"/>
+      </p:ext>
+    </p:extLst>
+  </p:cSld>
+  <p:clrMapOvr>
+    <a:masterClrMapping/>
+  </p:clrMapOvr>
+</p:sld>
+</file>
+
+<file path=ppt/slides/slide9.xml><?xml version="1.0" encoding="utf-8"?>
+<p:sld xmlns:a="http://schemas.openxmlformats.org/drawingml/2006/main" xmlns:r="http://schemas.openxmlformats.org/officeDocument/2006/relationships" xmlns:p="http://schemas.openxmlformats.org/presentationml/2006/main">
+  <p:cSld>
+    <p:spTree>
+      <p:nvGrpSpPr>
+        <p:cNvPr id="1" name=""/>
+        <p:cNvGrpSpPr/>
+        <p:nvPr/>
+      </p:nvGrpSpPr>
+      <p:grpSpPr>
+        <a:xfrm>
+          <a:off x="0" y="0"/>
+          <a:ext cx="0" cy="0"/>
+          <a:chOff x="0" y="0"/>
+          <a:chExt cx="0" cy="0"/>
+        </a:xfrm>
+      </p:grpSpPr>
+      <p:sp>
+        <p:nvSpPr>
+          <p:cNvPr id="2" name="Title 1">
+            <a:extLst>
+              <a:ext uri="{FF2B5EF4-FFF2-40B4-BE49-F238E27FC236}">
+                <a16:creationId xmlns:a16="http://schemas.microsoft.com/office/drawing/2014/main" id="{B21082E4-4726-40A5-9EBB-E811E9135D77}"/>
+              </a:ext>
+            </a:extLst>
+          </p:cNvPr>
+          <p:cNvSpPr>
+            <a:spLocks noGrp="1"/>
+          </p:cNvSpPr>
+          <p:nvPr>
+            <p:ph type="title"/>
+          </p:nvPr>
+        </p:nvSpPr>
+        <p:spPr/>
+        <p:txBody>
+          <a:bodyPr/>
+          <a:lstStyle/>
+          <a:p>
+            <a:r>
+              <a:rPr lang="en-US" dirty="0"/>
+              <a:t>(Homework1) Array Rotation</a:t>
+            </a:r>
+          </a:p>
+        </p:txBody>
+      </p:sp>
+      <p:sp>
+        <p:nvSpPr>
+          <p:cNvPr id="3" name="Content Placeholder 2">
+            <a:extLst>
+              <a:ext uri="{FF2B5EF4-FFF2-40B4-BE49-F238E27FC236}">
+                <a16:creationId xmlns:a16="http://schemas.microsoft.com/office/drawing/2014/main" id="{8C238D49-E51B-4DD1-8C4A-8A09D3102E5E}"/>
+              </a:ext>
+            </a:extLst>
+          </p:cNvPr>
+          <p:cNvSpPr>
+            <a:spLocks noGrp="1"/>
+          </p:cNvSpPr>
+          <p:nvPr>
+            <p:ph idx="1"/>
+          </p:nvPr>
+        </p:nvSpPr>
+        <p:spPr>
+          <a:xfrm>
+            <a:off x="838200" y="1825625"/>
+            <a:ext cx="10515600" cy="917575"/>
+          </a:xfrm>
+        </p:spPr>
+        <p:txBody>
+          <a:bodyPr/>
+          <a:lstStyle/>
+          <a:p>
+            <a:r>
+              <a:rPr lang="en-US" dirty="0"/>
+              <a:t>Write a function rotate(</a:t>
+            </a:r>
+            <a:r>
+              <a:rPr lang="en-US" dirty="0" err="1"/>
+              <a:t>arr</a:t>
+            </a:r>
+            <a:r>
+              <a:rPr lang="en-US" dirty="0"/>
+              <a:t>[], d) that rotates items of </a:t>
+            </a:r>
+            <a:r>
+              <a:rPr lang="en-US" dirty="0" err="1"/>
+              <a:t>arr</a:t>
+            </a:r>
+            <a:r>
+              <a:rPr lang="en-US" dirty="0"/>
+              <a:t>[] by d elements to the left.</a:t>
+            </a:r>
+          </a:p>
+        </p:txBody>
+      </p:sp>
+      <p:sp>
+        <p:nvSpPr>
+          <p:cNvPr id="5" name="TextBox 4">
+            <a:extLst>
+              <a:ext uri="{FF2B5EF4-FFF2-40B4-BE49-F238E27FC236}">
+                <a16:creationId xmlns:a16="http://schemas.microsoft.com/office/drawing/2014/main" id="{5A62A2FA-732F-4A19-BA9D-EF2E4A6DEFA1}"/>
+              </a:ext>
+            </a:extLst>
+          </p:cNvPr>
+          <p:cNvSpPr txBox="1"/>
+          <p:nvPr/>
+        </p:nvSpPr>
+        <p:spPr>
+          <a:xfrm>
+            <a:off x="1047236" y="2787739"/>
+            <a:ext cx="6098058" cy="1754326"/>
+          </a:xfrm>
+          <a:prstGeom prst="rect">
+            <a:avLst/>
+          </a:prstGeom>
+          <a:noFill/>
+        </p:spPr>
+        <p:txBody>
+          <a:bodyPr wrap="square">
+            <a:spAutoFit/>
+          </a:bodyPr>
+          <a:lstStyle/>
+          <a:p>
+            <a:r>
+              <a:rPr lang="en-US" dirty="0" err="1"/>
+              <a:t>arr</a:t>
+            </a:r>
+            <a:r>
+              <a:rPr lang="en-US" dirty="0"/>
+              <a:t> = { 1, 2, 3, 4, 5, 6, 7 }</a:t>
+            </a:r>
+          </a:p>
+          <a:p>
+            <a:endParaRPr lang="en-US" dirty="0"/>
+          </a:p>
+          <a:p>
+            <a:r>
+              <a:rPr lang="en-US" dirty="0"/>
+              <a:t>// rotate all array elements to left by 2 position.</a:t>
+            </a:r>
+          </a:p>
+          <a:p>
+            <a:r>
+              <a:rPr lang="en-US" dirty="0"/>
+              <a:t>rotate(</a:t>
+            </a:r>
+            <a:r>
+              <a:rPr lang="en-US" dirty="0" err="1"/>
+              <a:t>arr</a:t>
+            </a:r>
+            <a:r>
+              <a:rPr lang="en-US" dirty="0"/>
+              <a:t>, 2)</a:t>
+            </a:r>
+          </a:p>
+          <a:p>
+            <a:endParaRPr lang="en-US" dirty="0"/>
+          </a:p>
+          <a:p>
+            <a:r>
+              <a:rPr lang="en-US" dirty="0" err="1"/>
+              <a:t>arr</a:t>
+            </a:r>
+            <a:r>
+              <a:rPr lang="en-US" dirty="0"/>
+              <a:t> = { 3, 4, 5, 6, 7, 1, 2 }</a:t>
+            </a:r>
+          </a:p>
+        </p:txBody>
+      </p:sp>
+    </p:spTree>
+    <p:extLst>
+      <p:ext uri="{BB962C8B-B14F-4D97-AF65-F5344CB8AC3E}">
+        <p14:creationId xmlns:p14="http://schemas.microsoft.com/office/powerpoint/2010/main" val="1672250990"/>
       </p:ext>
     </p:extLst>
   </p:cSld>
@@ -4933,4 +5428,10 @@
     </a:ext>
   </a:extLst>
 </a:theme>
+</file>
+
+<file path=docMetadata/LabelInfo.xml><?xml version="1.0" encoding="utf-8"?>
+<clbl:labelList xmlns:clbl="http://schemas.microsoft.com/office/2020/mipLabelMetadata">
+  <clbl:label id="{f42aa342-8706-4288-bd11-ebb85995028c}" enabled="1" method="Standard" siteId="{72f988bf-86f1-41af-91ab-2d7cd011db47}" contentBits="0" removed="0"/>
+</clbl:labelList>
 </file>